--- a/PPTTemplate/miss.pptx
+++ b/PPTTemplate/miss.pptx
@@ -2920,168 +2920,229 @@
         <p:nvPr/>
       </p:nvGrpSpPr>
       <p:grpSpPr/>
-      <p:grpSp>
-        <p:nvGrpSpPr>
-          <p:cNvPr id="61" name="组合 60"/>
-          <p:cNvGrpSpPr/>
+      <p:sp>
+        <p:nvSpPr>
+          <p:cNvPr id="2" name="矩形 1"/>
+          <p:cNvSpPr/>
           <p:nvPr/>
-        </p:nvGrpSpPr>
-        <p:grpSpPr>
+        </p:nvSpPr>
+        <p:spPr>
           <a:xfrm>
-            <a:off x="3810693" y="2087377"/>
-            <a:ext cx="4772545" cy="3490210"/>
-            <a:chOff x="-6115192" y="3477042"/>
-            <a:chExt cx="7030720" cy="5115428"/>
+            <a:off x="3166110" y="443230"/>
+            <a:ext cx="3501390" cy="1496695"/>
           </a:xfrm>
-        </p:grpSpPr>
-        <p:sp>
-          <p:nvSpPr>
-            <p:cNvPr id="56" name="等腰三角形 55"/>
-            <p:cNvSpPr/>
-            <p:nvPr/>
-          </p:nvSpPr>
-          <p:spPr>
-            <a:xfrm flipV="1">
-              <a:off x="-6115192" y="3477042"/>
-              <a:ext cx="7030720" cy="5115428"/>
-            </a:xfrm>
-            <a:prstGeom prst="triangle">
-              <a:avLst/>
-            </a:prstGeom>
-            <a:noFill/>
-            <a:ln w="12700" cmpd="sng">
-              <a:solidFill>
-                <a:schemeClr val="accent1"/>
-              </a:solidFill>
-              <a:prstDash val="sysDot"/>
-            </a:ln>
-          </p:spPr>
-          <p:style>
-            <a:lnRef idx="2">
-              <a:schemeClr val="accent1">
-                <a:shade val="50000"/>
-              </a:schemeClr>
-            </a:lnRef>
-            <a:fillRef idx="1">
-              <a:schemeClr val="accent1"/>
-            </a:fillRef>
-            <a:effectRef idx="0">
-              <a:schemeClr val="accent1"/>
-            </a:effectRef>
-            <a:fontRef idx="minor">
-              <a:schemeClr val="lt1"/>
-            </a:fontRef>
-          </p:style>
-          <p:txBody>
-            <a:bodyPr rtlCol="0" anchor="ctr"/>
-            <a:p>
-              <a:pPr algn="ctr"/>
-              <a:endParaRPr lang="zh-CN" altLang="en-US" sz="1350" dirty="0">
-                <a:latin typeface="微软雅黑" panose="020B0503020204020204" charset="-122"/>
-                <a:ea typeface="微软雅黑" panose="020B0503020204020204" charset="-122"/>
-              </a:endParaRPr>
-            </a:p>
-          </p:txBody>
-        </p:sp>
-        <p:sp>
-          <p:nvSpPr>
-            <p:cNvPr id="58" name="等腰三角形 57"/>
-            <p:cNvSpPr/>
-            <p:nvPr/>
-          </p:nvSpPr>
-          <p:spPr>
-            <a:xfrm flipV="1">
-              <a:off x="-5777676" y="3647654"/>
-              <a:ext cx="6355686" cy="4672955"/>
-            </a:xfrm>
-            <a:prstGeom prst="triangle">
-              <a:avLst/>
-            </a:prstGeom>
-            <a:noFill/>
-            <a:ln w="12700" cmpd="sng">
-              <a:solidFill>
-                <a:schemeClr val="accent1"/>
-              </a:solidFill>
-              <a:prstDash val="sysDot"/>
-            </a:ln>
-          </p:spPr>
-          <p:style>
-            <a:lnRef idx="2">
-              <a:schemeClr val="accent1">
-                <a:shade val="50000"/>
-              </a:schemeClr>
-            </a:lnRef>
-            <a:fillRef idx="1">
-              <a:schemeClr val="accent1"/>
-            </a:fillRef>
-            <a:effectRef idx="0">
-              <a:schemeClr val="accent1"/>
-            </a:effectRef>
-            <a:fontRef idx="minor">
-              <a:schemeClr val="lt1"/>
-            </a:fontRef>
-          </p:style>
-          <p:txBody>
-            <a:bodyPr rtlCol="0" anchor="ctr"/>
-            <a:p>
-              <a:pPr algn="ctr"/>
-              <a:endParaRPr lang="zh-CN" altLang="en-US" sz="1350" dirty="0">
-                <a:latin typeface="微软雅黑" panose="020B0503020204020204" charset="-122"/>
-                <a:ea typeface="微软雅黑" panose="020B0503020204020204" charset="-122"/>
-              </a:endParaRPr>
-            </a:p>
-          </p:txBody>
-        </p:sp>
-        <p:sp>
-          <p:nvSpPr>
-            <p:cNvPr id="59" name="等腰三角形 58"/>
-            <p:cNvSpPr/>
-            <p:nvPr/>
-          </p:nvSpPr>
-          <p:spPr>
-            <a:xfrm flipV="1">
-              <a:off x="-5497067" y="3807676"/>
-              <a:ext cx="5794469" cy="4260326"/>
-            </a:xfrm>
-            <a:prstGeom prst="triangle">
-              <a:avLst/>
-            </a:prstGeom>
-            <a:noFill/>
-            <a:ln w="12700" cmpd="sng">
-              <a:solidFill>
-                <a:schemeClr val="accent1"/>
-              </a:solidFill>
-              <a:prstDash val="sysDot"/>
-            </a:ln>
-          </p:spPr>
-          <p:style>
-            <a:lnRef idx="2">
-              <a:schemeClr val="accent1">
-                <a:shade val="50000"/>
-              </a:schemeClr>
-            </a:lnRef>
-            <a:fillRef idx="1">
-              <a:schemeClr val="accent1"/>
-            </a:fillRef>
-            <a:effectRef idx="0">
-              <a:schemeClr val="accent1"/>
-            </a:effectRef>
-            <a:fontRef idx="minor">
-              <a:schemeClr val="lt1"/>
-            </a:fontRef>
-          </p:style>
-          <p:txBody>
-            <a:bodyPr rtlCol="0" anchor="ctr"/>
-            <a:p>
-              <a:pPr algn="ctr"/>
-              <a:endParaRPr lang="zh-CN" altLang="en-US" sz="1350" dirty="0">
-                <a:latin typeface="微软雅黑" panose="020B0503020204020204" charset="-122"/>
-                <a:ea typeface="微软雅黑" panose="020B0503020204020204" charset="-122"/>
-              </a:endParaRPr>
-            </a:p>
-          </p:txBody>
-        </p:sp>
-      </p:grpSp>
+          <a:prstGeom prst="rect">
+            <a:avLst/>
+          </a:prstGeom>
+        </p:spPr>
+        <p:style>
+          <a:lnRef idx="2">
+            <a:schemeClr val="accent1">
+              <a:lumMod val="75000"/>
+            </a:schemeClr>
+          </a:lnRef>
+          <a:fillRef idx="1">
+            <a:schemeClr val="accent1"/>
+          </a:fillRef>
+          <a:effectRef idx="0">
+            <a:srgbClr val="FFFFFF"/>
+          </a:effectRef>
+          <a:fontRef idx="minor">
+            <a:schemeClr val="lt1"/>
+          </a:fontRef>
+        </p:style>
+        <p:txBody>
+          <a:bodyPr rtlCol="0" anchor="ctr"/>
+          <a:p>
+            <a:pPr algn="ctr"/>
+            <a:endParaRPr lang="zh-CN" altLang="en-US"/>
+          </a:p>
+        </p:txBody>
+      </p:sp>
+      <p:graphicFrame>
+        <p:nvGraphicFramePr>
+          <p:cNvPr id="3" name="表格 2"/>
+          <p:cNvGraphicFramePr/>
+          <p:nvPr/>
+        </p:nvGraphicFramePr>
+        <p:xfrm>
+          <a:off x="1828800" y="3048000"/>
+          <a:ext cx="8533765" cy="762000"/>
+        </p:xfrm>
+        <a:graphic>
+          <a:graphicData uri="http://schemas.openxmlformats.org/drawingml/2006/table">
+            <a:tbl>
+              <a:tblPr firstRow="1" bandRow="1">
+                <a:tableStyleId>{5C22544A-7EE6-4342-B048-85BDC9FD1C3A}</a:tableStyleId>
+              </a:tblPr>
+              <a:tblGrid>
+                <a:gridCol w="2132965"/>
+                <a:gridCol w="2132965"/>
+                <a:gridCol w="2132965"/>
+                <a:gridCol w="2132965"/>
+              </a:tblGrid>
+              <a:tr h="381000">
+                <a:tc>
+                  <a:txBody>
+                    <a:bodyPr/>
+                    <a:p>
+                      <a:pPr>
+                        <a:buNone/>
+                      </a:pPr>
+                      <a:endParaRPr lang="zh-CN" altLang="en-US"/>
+                    </a:p>
+                  </a:txBody>
+                  <a:tcPr/>
+                </a:tc>
+                <a:tc>
+                  <a:txBody>
+                    <a:bodyPr/>
+                    <a:p>
+                      <a:pPr>
+                        <a:buNone/>
+                      </a:pPr>
+                      <a:endParaRPr lang="zh-CN" altLang="en-US"/>
+                    </a:p>
+                  </a:txBody>
+                  <a:tcPr/>
+                </a:tc>
+                <a:tc>
+                  <a:txBody>
+                    <a:bodyPr/>
+                    <a:p>
+                      <a:pPr>
+                        <a:buNone/>
+                      </a:pPr>
+                      <a:endParaRPr lang="zh-CN" altLang="en-US"/>
+                    </a:p>
+                  </a:txBody>
+                  <a:tcPr/>
+                </a:tc>
+                <a:tc>
+                  <a:txBody>
+                    <a:bodyPr/>
+                    <a:p>
+                      <a:pPr>
+                        <a:buNone/>
+                      </a:pPr>
+                      <a:endParaRPr lang="zh-CN" altLang="en-US"/>
+                    </a:p>
+                  </a:txBody>
+                  <a:tcPr/>
+                </a:tc>
+              </a:tr>
+              <a:tr h="381000">
+                <a:tc>
+                  <a:txBody>
+                    <a:bodyPr/>
+                    <a:p>
+                      <a:pPr>
+                        <a:buNone/>
+                      </a:pPr>
+                      <a:endParaRPr lang="zh-CN" altLang="en-US"/>
+                    </a:p>
+                  </a:txBody>
+                  <a:tcPr/>
+                </a:tc>
+                <a:tc>
+                  <a:txBody>
+                    <a:bodyPr/>
+                    <a:p>
+                      <a:pPr>
+                        <a:buNone/>
+                      </a:pPr>
+                      <a:endParaRPr lang="zh-CN" altLang="en-US"/>
+                    </a:p>
+                  </a:txBody>
+                  <a:tcPr/>
+                </a:tc>
+                <a:tc>
+                  <a:txBody>
+                    <a:bodyPr/>
+                    <a:p>
+                      <a:pPr>
+                        <a:buNone/>
+                      </a:pPr>
+                      <a:endParaRPr lang="zh-CN" altLang="en-US"/>
+                    </a:p>
+                  </a:txBody>
+                  <a:tcPr/>
+                </a:tc>
+                <a:tc>
+                  <a:txBody>
+                    <a:bodyPr/>
+                    <a:p>
+                      <a:pPr>
+                        <a:buNone/>
+                      </a:pPr>
+                      <a:endParaRPr lang="zh-CN" altLang="en-US"/>
+                    </a:p>
+                  </a:txBody>
+                  <a:tcPr/>
+                </a:tc>
+              </a:tr>
+            </a:tbl>
+          </a:graphicData>
+        </a:graphic>
+      </p:graphicFrame>
+      <p:sp>
+        <p:nvSpPr>
+          <p:cNvPr id="4" name="文本框 3"/>
+          <p:cNvSpPr txBox="1"/>
+          <p:nvPr/>
+        </p:nvSpPr>
+        <p:spPr>
+          <a:xfrm>
+            <a:off x="1704340" y="1962150"/>
+            <a:ext cx="4064000" cy="368300"/>
+          </a:xfrm>
+          <a:prstGeom prst="rect">
+            <a:avLst/>
+          </a:prstGeom>
+          <a:noFill/>
+        </p:spPr>
+        <p:txBody>
+          <a:bodyPr wrap="square" rtlCol="0">
+            <a:spAutoFit/>
+          </a:bodyPr>
+          <a:p>
+            <a:r>
+              <a:rPr lang="zh-CN" altLang="en-US"/>
+              <a:t>打发打发点</a:t>
+            </a:r>
+            <a:endParaRPr lang="zh-CN" altLang="en-US"/>
+          </a:p>
+        </p:txBody>
+      </p:sp>
+      <p:sp>
+        <p:nvSpPr>
+          <p:cNvPr id="5" name="文本框 4"/>
+          <p:cNvSpPr txBox="1"/>
+          <p:nvPr/>
+        </p:nvSpPr>
+        <p:spPr>
+          <a:xfrm>
+            <a:off x="5148580" y="2655570"/>
+            <a:ext cx="3775075" cy="368300"/>
+          </a:xfrm>
+          <a:prstGeom prst="rect">
+            <a:avLst/>
+          </a:prstGeom>
+          <a:noFill/>
+        </p:spPr>
+        <p:txBody>
+          <a:bodyPr wrap="square" rtlCol="0">
+            <a:spAutoFit/>
+          </a:bodyPr>
+          <a:p>
+            <a:r>
+              <a:rPr lang="zh-CN" altLang="en-US"/>
+              <a:t>发打发第三方代发</a:t>
+            </a:r>
+            <a:endParaRPr lang="zh-CN" altLang="en-US"/>
+          </a:p>
+        </p:txBody>
+      </p:sp>
     </p:spTree>
   </p:cSld>
   <p:clrMapOvr>
@@ -3090,86 +3151,7 @@
   <p:timing>
     <p:tnLst>
       <p:par>
-        <p:cTn id="1" dur="indefinite" restart="never" nodeType="tmRoot">
-          <p:childTnLst>
-            <p:seq concurrent="1" nextAc="seek">
-              <p:cTn id="2" dur="indefinite" nodeType="mainSeq">
-                <p:childTnLst>
-                  <p:par>
-                    <p:cTn id="3" fill="hold">
-                      <p:stCondLst>
-                        <p:cond delay="indefinite"/>
-                        <p:cond evt="onBegin" delay="0">
-                          <p:tn val="2"/>
-                        </p:cond>
-                      </p:stCondLst>
-                      <p:childTnLst>
-                        <p:par>
-                          <p:cTn id="4" fill="hold">
-                            <p:stCondLst>
-                              <p:cond delay="0"/>
-                            </p:stCondLst>
-                            <p:childTnLst>
-                              <p:par>
-                                <p:cTn id="5" presetID="14" presetClass="entr" presetSubtype="10" fill="hold" nodeType="afterEffect">
-                                  <p:stCondLst>
-                                    <p:cond delay="0"/>
-                                  </p:stCondLst>
-                                  <p:childTnLst>
-                                    <p:set>
-                                      <p:cBhvr>
-                                        <p:cTn id="6" dur="1" fill="hold">
-                                          <p:stCondLst>
-                                            <p:cond delay="0"/>
-                                          </p:stCondLst>
-                                        </p:cTn>
-                                        <p:tgtEl>
-                                          <p:spTgt spid="61"/>
-                                        </p:tgtEl>
-                                        <p:attrNameLst>
-                                          <p:attrName>style.visibility</p:attrName>
-                                        </p:attrNameLst>
-                                      </p:cBhvr>
-                                      <p:to>
-                                        <p:strVal val="visible"/>
-                                      </p:to>
-                                    </p:set>
-                                    <p:animEffect transition="in" filter="randombar(horizontal)">
-                                      <p:cBhvr>
-                                        <p:cTn id="7" dur="500"/>
-                                        <p:tgtEl>
-                                          <p:spTgt spid="61"/>
-                                        </p:tgtEl>
-                                      </p:cBhvr>
-                                    </p:animEffect>
-                                  </p:childTnLst>
-                                </p:cTn>
-                              </p:par>
-                            </p:childTnLst>
-                          </p:cTn>
-                        </p:par>
-                      </p:childTnLst>
-                    </p:cTn>
-                  </p:par>
-                </p:childTnLst>
-              </p:cTn>
-              <p:prevCondLst>
-                <p:cond evt="onPrev" delay="0">
-                  <p:tgtEl>
-                    <p:sldTgt/>
-                  </p:tgtEl>
-                </p:cond>
-              </p:prevCondLst>
-              <p:nextCondLst>
-                <p:cond evt="onNext" delay="0">
-                  <p:tgtEl>
-                    <p:sldTgt/>
-                  </p:tgtEl>
-                </p:cond>
-              </p:nextCondLst>
-            </p:seq>
-          </p:childTnLst>
-        </p:cTn>
+        <p:cTn id="1" dur="indefinite" restart="never" nodeType="tmRoot"/>
       </p:par>
     </p:tnLst>
   </p:timing>
